--- a/음악추천시스템.pptx
+++ b/음악추천시스템.pptx
@@ -3177,15 +3177,28 @@
               <a:buAutoNum type="arabicPeriod"/>
             </a:pPr>
             <a:r>
+              <a:rPr lang="en-US" altLang="ko-KR" sz="2000" dirty="0" smtClean="0"/>
+              <a:t>Last.fm(</a:t>
+            </a:r>
+            <a:r>
               <a:rPr lang="ko-KR" altLang="en-US" sz="2000" dirty="0" smtClean="0"/>
               <a:t>라스트에프엠</a:t>
             </a:r>
             <a:r>
               <a:rPr lang="en-US" altLang="ko-KR" sz="2000" dirty="0" smtClean="0"/>
-              <a:t>(Last.fm)</a:t>
-            </a:r>
-          </a:p>
-          <a:p>
+              <a:t>)</a:t>
+            </a:r>
+          </a:p>
+          <a:p>
+            <a:pPr marL="800100" lvl="1" indent="-342900">
+              <a:buAutoNum type="arabicPeriod"/>
+            </a:pPr>
+            <a:endParaRPr lang="en-US" altLang="ko-KR" sz="2000" dirty="0" smtClean="0"/>
+          </a:p>
+          <a:p>
+            <a:pPr marL="0" indent="0">
+              <a:buNone/>
+            </a:pPr>
             <a:endParaRPr lang="ko-KR" altLang="en-US" dirty="0"/>
           </a:p>
         </p:txBody>
@@ -3472,20 +3485,256 @@
       </p:sp>
       <p:sp>
         <p:nvSpPr>
-          <p:cNvPr id="5" name="내용 개체 틀 4"/>
-          <p:cNvSpPr>
-            <a:spLocks noGrp="1"/>
-          </p:cNvSpPr>
-          <p:nvPr>
-            <p:ph idx="1"/>
-          </p:nvPr>
-        </p:nvSpPr>
-        <p:spPr/>
-        <p:txBody>
-          <a:bodyPr/>
-          <a:lstStyle/>
-          <a:p>
-            <a:endParaRPr lang="ko-KR" altLang="en-US"/>
+          <p:cNvPr id="3" name="직사각형 2"/>
+          <p:cNvSpPr/>
+          <p:nvPr/>
+        </p:nvSpPr>
+        <p:spPr>
+          <a:xfrm>
+            <a:off x="323528" y="1484785"/>
+            <a:ext cx="8424936" cy="3323987"/>
+          </a:xfrm>
+          <a:prstGeom prst="rect">
+            <a:avLst/>
+          </a:prstGeom>
+        </p:spPr>
+        <p:txBody>
+          <a:bodyPr wrap="square">
+            <a:spAutoFit/>
+          </a:bodyPr>
+          <a:lstStyle/>
+          <a:p>
+            <a:r>
+              <a:rPr lang="en-US" altLang="ko-KR" sz="1400" dirty="0"/>
+              <a:t>Collaborative </a:t>
+            </a:r>
+            <a:r>
+              <a:rPr lang="ko-KR" altLang="en-US" sz="1400" dirty="0"/>
+              <a:t>와 </a:t>
+            </a:r>
+            <a:r>
+              <a:rPr lang="en-US" altLang="ko-KR" sz="1400" dirty="0"/>
+              <a:t>Content-based</a:t>
+            </a:r>
+            <a:r>
+              <a:rPr lang="ko-KR" altLang="en-US" sz="1400" dirty="0"/>
+              <a:t>의 차이점은 </a:t>
+            </a:r>
+            <a:r>
+              <a:rPr lang="en-US" altLang="ko-KR" sz="1400" u="sng" dirty="0"/>
+              <a:t>Last.fm</a:t>
+            </a:r>
+            <a:r>
+              <a:rPr lang="en-US" altLang="ko-KR" sz="1400" dirty="0"/>
+              <a:t> </a:t>
+            </a:r>
+            <a:r>
+              <a:rPr lang="ko-KR" altLang="en-US" sz="1400" dirty="0"/>
+              <a:t>과 </a:t>
+            </a:r>
+            <a:r>
+              <a:rPr lang="en-US" altLang="ko-KR" sz="1400" u="sng" dirty="0"/>
+              <a:t>Pandora Radio</a:t>
+            </a:r>
+            <a:r>
+              <a:rPr lang="ko-KR" altLang="en-US" sz="1400" dirty="0"/>
+              <a:t>과 같은 유명한 음악 추천시스템에 의해 잘 보여진다</a:t>
+            </a:r>
+            <a:r>
+              <a:rPr lang="en-US" altLang="ko-KR" sz="1400" dirty="0" smtClean="0"/>
+              <a:t>.</a:t>
+            </a:r>
+          </a:p>
+          <a:p>
+            <a:endParaRPr lang="en-US" altLang="ko-KR" sz="1400" dirty="0"/>
+          </a:p>
+          <a:p>
+            <a:r>
+              <a:rPr lang="en-US" altLang="ko-KR" sz="1400" dirty="0"/>
+              <a:t>Last.fm</a:t>
+            </a:r>
+            <a:r>
+              <a:rPr lang="ko-KR" altLang="en-US" sz="1400" dirty="0"/>
+              <a:t>은 사용자가 주로 들어온 밴드와 각각의 </a:t>
+            </a:r>
+            <a:r>
+              <a:rPr lang="ko-KR" altLang="en-US" sz="1400" dirty="0" err="1"/>
+              <a:t>음원이</a:t>
+            </a:r>
+            <a:r>
+              <a:rPr lang="ko-KR" altLang="en-US" sz="1400" dirty="0"/>
+              <a:t> 무엇인지 관찰하고 다른 사용자와의 행동</a:t>
+            </a:r>
+            <a:r>
+              <a:rPr lang="en-US" altLang="ko-KR" sz="1400" dirty="0"/>
+              <a:t>(behavior)</a:t>
+            </a:r>
+            <a:r>
+              <a:rPr lang="ko-KR" altLang="en-US" sz="1400" dirty="0"/>
+              <a:t>을 비교하면서 추천된 음악의 “상태”를 만든다</a:t>
+            </a:r>
+            <a:r>
+              <a:rPr lang="en-US" altLang="ko-KR" sz="1400" dirty="0"/>
+              <a:t>. </a:t>
+            </a:r>
+            <a:r>
+              <a:rPr lang="ko-KR" altLang="en-US" sz="1400" dirty="0"/>
+              <a:t>그 </a:t>
+            </a:r>
+            <a:r>
+              <a:rPr lang="en-US" altLang="ko-KR" sz="1400" dirty="0"/>
+              <a:t>(</a:t>
+            </a:r>
+            <a:r>
+              <a:rPr lang="ko-KR" altLang="en-US" sz="1400" dirty="0"/>
+              <a:t>추천 받을</a:t>
+            </a:r>
+            <a:r>
+              <a:rPr lang="en-US" altLang="ko-KR" sz="1400" dirty="0"/>
+              <a:t>)</a:t>
+            </a:r>
+            <a:r>
+              <a:rPr lang="ko-KR" altLang="en-US" sz="1400" dirty="0"/>
+              <a:t>사용자의 음악 목록에는 없지만 비슷한 취향을 가진 다른 사용자가 자주 들었던 음악을 추천해 준다</a:t>
+            </a:r>
+            <a:r>
+              <a:rPr lang="en-US" altLang="ko-KR" sz="1400" dirty="0" smtClean="0"/>
+              <a:t>.</a:t>
+            </a:r>
+          </a:p>
+          <a:p>
+            <a:endParaRPr lang="en-US" altLang="ko-KR" sz="1400" dirty="0"/>
+          </a:p>
+          <a:p>
+            <a:r>
+              <a:rPr lang="en-US" altLang="ko-KR" sz="1400" dirty="0"/>
+              <a:t>Pandora</a:t>
+            </a:r>
+            <a:r>
+              <a:rPr lang="ko-KR" altLang="en-US" sz="1400" dirty="0"/>
+              <a:t>는 비슷한 특성이 있는 음악을 재생하는 “상태”를 만들기 위해 아티스트 또는 음악의 특성을 사용한다</a:t>
+            </a:r>
+            <a:r>
+              <a:rPr lang="en-US" altLang="ko-KR" sz="1400" dirty="0"/>
+              <a:t>(</a:t>
+            </a:r>
+            <a:r>
+              <a:rPr lang="ko-KR" altLang="en-US" sz="1400" dirty="0"/>
+              <a:t>약 </a:t>
+            </a:r>
+            <a:r>
+              <a:rPr lang="en-US" altLang="ko-KR" sz="1400" dirty="0"/>
+              <a:t>400</a:t>
+            </a:r>
+            <a:r>
+              <a:rPr lang="ko-KR" altLang="en-US" sz="1400" dirty="0"/>
+              <a:t>개의 특성을 가진 부분집합으로</a:t>
+            </a:r>
+            <a:r>
+              <a:rPr lang="en-US" altLang="ko-KR" sz="1400" dirty="0"/>
+              <a:t>). </a:t>
+            </a:r>
+            <a:r>
+              <a:rPr lang="ko-KR" altLang="en-US" sz="1400" dirty="0"/>
+              <a:t>사용자의 피드백은 사용자가 특정한 음악에 </a:t>
+            </a:r>
+            <a:r>
+              <a:rPr lang="ko-KR" altLang="en-US" sz="1400" dirty="0" err="1"/>
+              <a:t>싫어요를</a:t>
+            </a:r>
+            <a:r>
+              <a:rPr lang="ko-KR" altLang="en-US" sz="1400" dirty="0"/>
+              <a:t> 눌렀을 때 그 특정한 속성을 약화하고 </a:t>
+            </a:r>
+            <a:r>
+              <a:rPr lang="ko-KR" altLang="en-US" sz="1400" dirty="0" err="1"/>
+              <a:t>좋아요를</a:t>
+            </a:r>
+            <a:r>
+              <a:rPr lang="ko-KR" altLang="en-US" sz="1400" dirty="0"/>
+              <a:t> 누른 음악을 강조하면서</a:t>
+            </a:r>
+            <a:r>
+              <a:rPr lang="en-US" altLang="ko-KR" sz="1400" dirty="0"/>
+              <a:t>, </a:t>
+            </a:r>
+            <a:r>
+              <a:rPr lang="ko-KR" altLang="en-US" sz="1400" dirty="0"/>
+              <a:t>그 상태의 결과를 다듬기 위해 사용된다</a:t>
+            </a:r>
+            <a:r>
+              <a:rPr lang="en-US" altLang="ko-KR" sz="1400" dirty="0" smtClean="0"/>
+              <a:t>.</a:t>
+            </a:r>
+          </a:p>
+          <a:p>
+            <a:endParaRPr lang="en-US" altLang="ko-KR" sz="1400" dirty="0"/>
+          </a:p>
+          <a:p>
+            <a:r>
+              <a:rPr lang="ko-KR" altLang="en-US" sz="1400" dirty="0"/>
+              <a:t>각각의 시스템은 모두 강점과 약점이 있다</a:t>
+            </a:r>
+            <a:r>
+              <a:rPr lang="en-US" altLang="ko-KR" sz="1400" dirty="0"/>
+              <a:t>. </a:t>
+            </a:r>
+            <a:r>
+              <a:rPr lang="ko-KR" altLang="en-US" sz="1400" dirty="0"/>
+              <a:t>위에 예에서는</a:t>
+            </a:r>
+            <a:r>
+              <a:rPr lang="en-US" altLang="ko-KR" sz="1400" dirty="0"/>
+              <a:t>, Last.fm</a:t>
+            </a:r>
+            <a:r>
+              <a:rPr lang="ko-KR" altLang="en-US" sz="1400" dirty="0"/>
+              <a:t>은 정확한 추천을 만들기 위해 한 사용자에 대한 많은 양의 정보를 필요로 한다</a:t>
+            </a:r>
+            <a:r>
+              <a:rPr lang="en-US" altLang="ko-KR" sz="1400" dirty="0"/>
+              <a:t>. Pandora</a:t>
+            </a:r>
+            <a:r>
+              <a:rPr lang="ko-KR" altLang="en-US" sz="1400" dirty="0"/>
+              <a:t>는 시작할 때 매우 적게 정보를 필요로 하는 반면에</a:t>
+            </a:r>
+            <a:r>
+              <a:rPr lang="en-US" altLang="ko-KR" sz="1400" dirty="0"/>
+              <a:t>, </a:t>
+            </a:r>
+            <a:r>
+              <a:rPr lang="ko-KR" altLang="en-US" sz="1400" dirty="0"/>
+              <a:t>범위</a:t>
+            </a:r>
+            <a:r>
+              <a:rPr lang="en-US" altLang="ko-KR" sz="1400" dirty="0"/>
+              <a:t>(scope)</a:t>
+            </a:r>
+            <a:r>
+              <a:rPr lang="ko-KR" altLang="en-US" sz="1400" dirty="0"/>
+              <a:t>가 더 한정적이다</a:t>
+            </a:r>
+            <a:r>
+              <a:rPr lang="en-US" altLang="ko-KR" sz="1400" dirty="0"/>
+              <a:t>.(</a:t>
+            </a:r>
+            <a:r>
+              <a:rPr lang="ko-KR" altLang="en-US" sz="1400" dirty="0"/>
+              <a:t>예를 들어</a:t>
+            </a:r>
+            <a:r>
+              <a:rPr lang="en-US" altLang="ko-KR" sz="1400" dirty="0"/>
+              <a:t>, </a:t>
+            </a:r>
+            <a:r>
+              <a:rPr lang="ko-KR" altLang="en-US" sz="1400" dirty="0"/>
+              <a:t>판도라는 오직 원래의 정보에서 비슷한 추천만 만들 수 있다</a:t>
+            </a:r>
+            <a:r>
+              <a:rPr lang="en-US" altLang="ko-KR" sz="1400" dirty="0"/>
+              <a:t>.</a:t>
+            </a:r>
           </a:p>
         </p:txBody>
       </p:sp>
@@ -3499,6 +3748,13 @@
   <p:clrMapOvr>
     <a:masterClrMapping/>
   </p:clrMapOvr>
+  <p:timing>
+    <p:tnLst>
+      <p:par>
+        <p:cTn id="1" dur="indefinite" restart="never" nodeType="tmRoot"/>
+      </p:par>
+    </p:tnLst>
+  </p:timing>
 </p:sld>
 </file>
 
@@ -3531,10 +3787,20 @@
         </p:nvSpPr>
         <p:spPr/>
         <p:txBody>
-          <a:bodyPr/>
-          <a:lstStyle/>
-          <a:p>
-            <a:endParaRPr lang="ko-KR" altLang="en-US"/>
+          <a:bodyPr>
+            <a:noAutofit/>
+          </a:bodyPr>
+          <a:lstStyle/>
+          <a:p>
+            <a:r>
+              <a:rPr lang="en-US" altLang="ko-KR" sz="2800" b="1" dirty="0" smtClean="0"/>
+              <a:t>TF-IDF</a:t>
+            </a:r>
+            <a:r>
+              <a:rPr lang="en-US" altLang="ko-KR" sz="2800" dirty="0" smtClean="0"/>
+              <a:t>(Term Frequency - Inverse Document Frequency)</a:t>
+            </a:r>
+            <a:endParaRPr lang="ko-KR" altLang="en-US" sz="2800" dirty="0"/>
           </a:p>
         </p:txBody>
       </p:sp>
@@ -3550,10 +3816,316 @@
         </p:nvSpPr>
         <p:spPr/>
         <p:txBody>
-          <a:bodyPr/>
-          <a:lstStyle/>
-          <a:p>
-            <a:endParaRPr lang="ko-KR" altLang="en-US"/>
+          <a:bodyPr>
+            <a:normAutofit/>
+          </a:bodyPr>
+          <a:lstStyle/>
+          <a:p>
+            <a:r>
+              <a:rPr lang="en-US" altLang="ko-KR" sz="1600" b="1" dirty="0"/>
+              <a:t>TF-IDF</a:t>
+            </a:r>
+            <a:r>
+              <a:rPr lang="en-US" altLang="ko-KR" sz="1600" dirty="0"/>
+              <a:t>(Term Frequency - Inverse Document Frequency)</a:t>
+            </a:r>
+            <a:r>
+              <a:rPr lang="ko-KR" altLang="en-US" sz="1600" dirty="0"/>
+              <a:t>는 </a:t>
+            </a:r>
+            <a:r>
+              <a:rPr lang="ko-KR" altLang="en-US" sz="1600" dirty="0">
+                <a:hlinkClick r:id="rId2" tooltip="정보 검색"/>
+              </a:rPr>
+              <a:t>정보 검색</a:t>
+            </a:r>
+            <a:r>
+              <a:rPr lang="ko-KR" altLang="en-US" sz="1600" dirty="0"/>
+              <a:t>과 </a:t>
+            </a:r>
+            <a:r>
+              <a:rPr lang="ko-KR" altLang="en-US" sz="1600" dirty="0">
+                <a:hlinkClick r:id="rId3" tooltip="텍스트 마이닝 (없는 문서)"/>
+              </a:rPr>
+              <a:t>텍스트 </a:t>
+            </a:r>
+            <a:r>
+              <a:rPr lang="ko-KR" altLang="en-US" sz="1600" dirty="0" err="1">
+                <a:hlinkClick r:id="rId3" tooltip="텍스트 마이닝 (없는 문서)"/>
+              </a:rPr>
+              <a:t>마이닝</a:t>
+            </a:r>
+            <a:r>
+              <a:rPr lang="ko-KR" altLang="en-US" sz="1600" dirty="0" err="1"/>
+              <a:t>에서</a:t>
+            </a:r>
+            <a:r>
+              <a:rPr lang="ko-KR" altLang="en-US" sz="1600" dirty="0"/>
+              <a:t> 이용하는 가중치로</a:t>
+            </a:r>
+            <a:r>
+              <a:rPr lang="en-US" altLang="ko-KR" sz="1600" dirty="0"/>
+              <a:t>, </a:t>
+            </a:r>
+            <a:r>
+              <a:rPr lang="ko-KR" altLang="en-US" sz="1600" dirty="0"/>
+              <a:t>여러 문서로 이루어진 </a:t>
+            </a:r>
+            <a:r>
+              <a:rPr lang="ko-KR" altLang="en-US" sz="1600" dirty="0" err="1"/>
+              <a:t>문서군이</a:t>
+            </a:r>
+            <a:r>
+              <a:rPr lang="ko-KR" altLang="en-US" sz="1600" dirty="0"/>
+              <a:t> 있을 때 어떤 단어가 특정 문서 내에서 얼마나 중요한 것인지를 나타내는 </a:t>
+            </a:r>
+            <a:r>
+              <a:rPr lang="ko-KR" altLang="en-US" sz="1600" dirty="0">
+                <a:hlinkClick r:id="rId4" tooltip="통계"/>
+              </a:rPr>
+              <a:t>통계</a:t>
+            </a:r>
+            <a:r>
+              <a:rPr lang="ko-KR" altLang="en-US" sz="1600" dirty="0"/>
+              <a:t>적 수치이다</a:t>
+            </a:r>
+            <a:r>
+              <a:rPr lang="en-US" altLang="ko-KR" sz="1600" dirty="0"/>
+              <a:t>. </a:t>
+            </a:r>
+            <a:r>
+              <a:rPr lang="ko-KR" altLang="en-US" sz="1600" dirty="0"/>
+              <a:t>문서의 </a:t>
+            </a:r>
+            <a:r>
+              <a:rPr lang="ko-KR" altLang="en-US" sz="1600" dirty="0">
+                <a:hlinkClick r:id="rId5" tooltip="핵심어 (없는 문서)"/>
+              </a:rPr>
+              <a:t>핵심어</a:t>
+            </a:r>
+            <a:r>
+              <a:rPr lang="ko-KR" altLang="en-US" sz="1600" dirty="0"/>
+              <a:t>를 추출하거나</a:t>
+            </a:r>
+            <a:r>
+              <a:rPr lang="en-US" altLang="ko-KR" sz="1600" dirty="0"/>
+              <a:t>, </a:t>
+            </a:r>
+            <a:r>
+              <a:rPr lang="ko-KR" altLang="en-US" sz="1600" dirty="0">
+                <a:hlinkClick r:id="rId6" tooltip="검색 엔진"/>
+              </a:rPr>
+              <a:t>검색 엔진</a:t>
+            </a:r>
+            <a:r>
+              <a:rPr lang="ko-KR" altLang="en-US" sz="1600" dirty="0"/>
+              <a:t>에서 검색 결과의 순위를 결정하거나</a:t>
+            </a:r>
+            <a:r>
+              <a:rPr lang="en-US" altLang="ko-KR" sz="1600" dirty="0"/>
+              <a:t>, </a:t>
+            </a:r>
+            <a:r>
+              <a:rPr lang="ko-KR" altLang="en-US" sz="1600" dirty="0"/>
+              <a:t>문서들 사이의 비슷한 정도를 구하는 등의 용도로 사용할 수 있다</a:t>
+            </a:r>
+            <a:r>
+              <a:rPr lang="en-US" altLang="ko-KR" sz="1600" dirty="0"/>
+              <a:t>.</a:t>
+            </a:r>
+          </a:p>
+          <a:p>
+            <a:r>
+              <a:rPr lang="en-US" altLang="ko-KR" sz="1600" dirty="0"/>
+              <a:t>TF(</a:t>
+            </a:r>
+            <a:r>
+              <a:rPr lang="ko-KR" altLang="en-US" sz="1600" dirty="0"/>
+              <a:t>단어 빈도</a:t>
+            </a:r>
+            <a:r>
+              <a:rPr lang="en-US" altLang="ko-KR" sz="1600" dirty="0"/>
+              <a:t>, term frequency)</a:t>
+            </a:r>
+            <a:r>
+              <a:rPr lang="ko-KR" altLang="en-US" sz="1600" dirty="0"/>
+              <a:t>는 특정한 단어가 문서 내에 얼마나 자주 등장하는지를 나타내는 값으로</a:t>
+            </a:r>
+            <a:r>
+              <a:rPr lang="en-US" altLang="ko-KR" sz="1600" dirty="0"/>
+              <a:t>, </a:t>
+            </a:r>
+            <a:r>
+              <a:rPr lang="ko-KR" altLang="en-US" sz="1600" dirty="0"/>
+              <a:t>이 값이 높을수록 문서에서 중요하다고 생각할 수 있다</a:t>
+            </a:r>
+            <a:r>
+              <a:rPr lang="en-US" altLang="ko-KR" sz="1600" dirty="0"/>
+              <a:t>. </a:t>
+            </a:r>
+            <a:r>
+              <a:rPr lang="ko-KR" altLang="en-US" sz="1600" dirty="0"/>
+              <a:t>하지만 단어 자체가 문서군 내에서 자주 사용되는 경우</a:t>
+            </a:r>
+            <a:r>
+              <a:rPr lang="en-US" altLang="ko-KR" sz="1600" dirty="0"/>
+              <a:t>, </a:t>
+            </a:r>
+            <a:r>
+              <a:rPr lang="ko-KR" altLang="en-US" sz="1600" dirty="0"/>
+              <a:t>이것은 그 단어가 흔하게 등장한다는 것을 의미한다</a:t>
+            </a:r>
+            <a:r>
+              <a:rPr lang="en-US" altLang="ko-KR" sz="1600" dirty="0"/>
+              <a:t>. </a:t>
+            </a:r>
+            <a:r>
+              <a:rPr lang="ko-KR" altLang="en-US" sz="1600" dirty="0"/>
+              <a:t>이것을 </a:t>
+            </a:r>
+            <a:r>
+              <a:rPr lang="en-US" altLang="ko-KR" sz="1600" dirty="0"/>
+              <a:t>DF(</a:t>
+            </a:r>
+            <a:r>
+              <a:rPr lang="ko-KR" altLang="en-US" sz="1600" dirty="0"/>
+              <a:t>문서 빈도</a:t>
+            </a:r>
+            <a:r>
+              <a:rPr lang="en-US" altLang="ko-KR" sz="1600" dirty="0"/>
+              <a:t>, document frequency)</a:t>
+            </a:r>
+            <a:r>
+              <a:rPr lang="ko-KR" altLang="en-US" sz="1600" dirty="0"/>
+              <a:t>라고 하며</a:t>
+            </a:r>
+            <a:r>
+              <a:rPr lang="en-US" altLang="ko-KR" sz="1600" dirty="0"/>
+              <a:t>, </a:t>
+            </a:r>
+            <a:r>
+              <a:rPr lang="ko-KR" altLang="en-US" sz="1600" dirty="0"/>
+              <a:t>이 값의 역수를 </a:t>
+            </a:r>
+            <a:r>
+              <a:rPr lang="en-US" altLang="ko-KR" sz="1600" dirty="0"/>
+              <a:t>IDF(</a:t>
+            </a:r>
+            <a:r>
+              <a:rPr lang="ko-KR" altLang="en-US" sz="1600" dirty="0"/>
+              <a:t>역문서 빈도</a:t>
+            </a:r>
+            <a:r>
+              <a:rPr lang="en-US" altLang="ko-KR" sz="1600" dirty="0"/>
+              <a:t>, inverse document frequency)</a:t>
+            </a:r>
+            <a:r>
+              <a:rPr lang="ko-KR" altLang="en-US" sz="1600" dirty="0"/>
+              <a:t>라고 한다</a:t>
+            </a:r>
+            <a:r>
+              <a:rPr lang="en-US" altLang="ko-KR" sz="1600" dirty="0"/>
+              <a:t>. TF-IDF</a:t>
+            </a:r>
+            <a:r>
+              <a:rPr lang="ko-KR" altLang="en-US" sz="1600" dirty="0"/>
+              <a:t>는 </a:t>
+            </a:r>
+            <a:r>
+              <a:rPr lang="en-US" altLang="ko-KR" sz="1600" dirty="0"/>
+              <a:t>TF</a:t>
+            </a:r>
+            <a:r>
+              <a:rPr lang="ko-KR" altLang="en-US" sz="1600" dirty="0"/>
+              <a:t>와 </a:t>
+            </a:r>
+            <a:r>
+              <a:rPr lang="en-US" altLang="ko-KR" sz="1600" dirty="0"/>
+              <a:t>IDF</a:t>
+            </a:r>
+            <a:r>
+              <a:rPr lang="ko-KR" altLang="en-US" sz="1600" dirty="0"/>
+              <a:t>를 곱한 값이다</a:t>
+            </a:r>
+            <a:r>
+              <a:rPr lang="en-US" altLang="ko-KR" sz="1600" dirty="0"/>
+              <a:t>.</a:t>
+            </a:r>
+          </a:p>
+          <a:p>
+            <a:r>
+              <a:rPr lang="en-US" altLang="ko-KR" sz="1600" dirty="0"/>
+              <a:t>IDF </a:t>
+            </a:r>
+            <a:r>
+              <a:rPr lang="ko-KR" altLang="en-US" sz="1600" dirty="0"/>
+              <a:t>값은 </a:t>
+            </a:r>
+            <a:r>
+              <a:rPr lang="ko-KR" altLang="en-US" sz="1600" dirty="0" err="1"/>
+              <a:t>문서군의</a:t>
+            </a:r>
+            <a:r>
+              <a:rPr lang="ko-KR" altLang="en-US" sz="1600" dirty="0"/>
+              <a:t> 성격에 따라 결정된다</a:t>
+            </a:r>
+            <a:r>
+              <a:rPr lang="en-US" altLang="ko-KR" sz="1600" dirty="0"/>
+              <a:t>. </a:t>
+            </a:r>
+            <a:r>
+              <a:rPr lang="ko-KR" altLang="en-US" sz="1600" dirty="0"/>
+              <a:t>예를 들어 </a:t>
+            </a:r>
+            <a:r>
+              <a:rPr lang="en-US" altLang="ko-KR" sz="1600" dirty="0"/>
+              <a:t>'</a:t>
+            </a:r>
+            <a:r>
+              <a:rPr lang="ko-KR" altLang="en-US" sz="1600" dirty="0">
+                <a:hlinkClick r:id="rId7" tooltip="원자"/>
+              </a:rPr>
+              <a:t>원자</a:t>
+            </a:r>
+            <a:r>
+              <a:rPr lang="en-US" altLang="ko-KR" sz="1600" dirty="0"/>
+              <a:t>'</a:t>
+            </a:r>
+            <a:r>
+              <a:rPr lang="ko-KR" altLang="en-US" sz="1600" dirty="0"/>
+              <a:t>라는 낱말은 일반적인 문서들 사이에서는 잘 나오지 않기 때문에 </a:t>
+            </a:r>
+            <a:r>
+              <a:rPr lang="en-US" altLang="ko-KR" sz="1600" dirty="0"/>
+              <a:t>IDF </a:t>
+            </a:r>
+            <a:r>
+              <a:rPr lang="ko-KR" altLang="en-US" sz="1600" dirty="0"/>
+              <a:t>값이 높아지고 문서의 핵심어가 될 수 있지만</a:t>
+            </a:r>
+            <a:r>
+              <a:rPr lang="en-US" altLang="ko-KR" sz="1600" dirty="0"/>
+              <a:t>, </a:t>
+            </a:r>
+            <a:r>
+              <a:rPr lang="ko-KR" altLang="en-US" sz="1600" dirty="0"/>
+              <a:t>원자에 대한 문서를 모아놓은 </a:t>
+            </a:r>
+            <a:r>
+              <a:rPr lang="ko-KR" altLang="en-US" sz="1600" dirty="0" err="1"/>
+              <a:t>문서군의</a:t>
+            </a:r>
+            <a:r>
+              <a:rPr lang="ko-KR" altLang="en-US" sz="1600" dirty="0"/>
+              <a:t> 경우 이 낱말은 상투어가 되어 각 문서들을 세분화하여 구분할 수 있는 다른 낱말들이 높은 가중치를 얻게 된다</a:t>
+            </a:r>
+            <a:r>
+              <a:rPr lang="en-US" altLang="ko-KR" sz="1600" dirty="0"/>
+              <a:t>.</a:t>
+            </a:r>
+          </a:p>
+          <a:p>
+            <a:endParaRPr lang="ko-KR" altLang="en-US" sz="1600" dirty="0"/>
           </a:p>
         </p:txBody>
       </p:sp>
@@ -3567,6 +4139,13 @@
   <p:clrMapOvr>
     <a:masterClrMapping/>
   </p:clrMapOvr>
+  <p:timing>
+    <p:tnLst>
+      <p:par>
+        <p:cTn id="1" dur="indefinite" restart="never" nodeType="tmRoot"/>
+      </p:par>
+    </p:tnLst>
+  </p:timing>
 </p:sld>
 </file>
 
@@ -3635,6 +4214,13 @@
   <p:clrMapOvr>
     <a:masterClrMapping/>
   </p:clrMapOvr>
+  <p:timing>
+    <p:tnLst>
+      <p:par>
+        <p:cTn id="1" dur="indefinite" restart="never" nodeType="tmRoot"/>
+      </p:par>
+    </p:tnLst>
+  </p:timing>
 </p:sld>
 </file>
 
@@ -3686,10 +4272,90 @@
         </p:nvSpPr>
         <p:spPr/>
         <p:txBody>
-          <a:bodyPr/>
-          <a:lstStyle/>
-          <a:p>
-            <a:endParaRPr lang="ko-KR" altLang="en-US"/>
+          <a:bodyPr>
+            <a:normAutofit/>
+          </a:bodyPr>
+          <a:lstStyle/>
+          <a:p>
+            <a:r>
+              <a:rPr lang="en-US" altLang="ko-KR" sz="2000" dirty="0"/>
+              <a:t>Netflix : </a:t>
+            </a:r>
+            <a:r>
+              <a:rPr lang="ko-KR" altLang="en-US" sz="2000" dirty="0"/>
+              <a:t>대여되는 영화의 </a:t>
+            </a:r>
+            <a:r>
+              <a:rPr lang="en-US" altLang="ko-KR" sz="2000" dirty="0"/>
+              <a:t>2/3</a:t>
+            </a:r>
+            <a:r>
+              <a:rPr lang="ko-KR" altLang="en-US" sz="2000" dirty="0"/>
+              <a:t>가 추천으로부터 발생</a:t>
+            </a:r>
+          </a:p>
+          <a:p>
+            <a:r>
+              <a:rPr lang="en-US" altLang="ko-KR" sz="2000" dirty="0"/>
+              <a:t>Google News : 38% </a:t>
+            </a:r>
+            <a:r>
+              <a:rPr lang="ko-KR" altLang="en-US" sz="2000" dirty="0"/>
+              <a:t>이상의 조회가 추천에 의해 발생</a:t>
+            </a:r>
+          </a:p>
+          <a:p>
+            <a:r>
+              <a:rPr lang="en-US" altLang="ko-KR" sz="2000" dirty="0"/>
+              <a:t>Amazon : </a:t>
+            </a:r>
+            <a:r>
+              <a:rPr lang="ko-KR" altLang="en-US" sz="2000" dirty="0"/>
+              <a:t>판매의 </a:t>
+            </a:r>
+            <a:r>
+              <a:rPr lang="en-US" altLang="ko-KR" sz="2000" dirty="0"/>
+              <a:t>35% </a:t>
+            </a:r>
+            <a:r>
+              <a:rPr lang="ko-KR" altLang="en-US" sz="2000" dirty="0"/>
+              <a:t>가 추천으로부터 발생</a:t>
+            </a:r>
+          </a:p>
+          <a:p>
+            <a:r>
+              <a:rPr lang="en-US" altLang="ko-KR" sz="2000" dirty="0"/>
+              <a:t>Netflix Prize (~2009) Netflix</a:t>
+            </a:r>
+            <a:r>
+              <a:rPr lang="ko-KR" altLang="en-US" sz="2000" dirty="0"/>
+              <a:t>에서 주관하는 경연대회로</a:t>
+            </a:r>
+            <a:r>
+              <a:rPr lang="en-US" altLang="ko-KR" sz="2000" dirty="0"/>
+              <a:t>, </a:t>
+            </a:r>
+            <a:r>
+              <a:rPr lang="ko-KR" altLang="en-US" sz="2000" dirty="0"/>
+              <a:t>영화 선호도를 가장 잘 예측하는 협업 </a:t>
+            </a:r>
+            <a:r>
+              <a:rPr lang="ko-KR" altLang="en-US" sz="2000" dirty="0" err="1"/>
+              <a:t>필터링</a:t>
+            </a:r>
+            <a:r>
+              <a:rPr lang="ko-KR" altLang="en-US" sz="2000" dirty="0"/>
+              <a:t> 알고리즘에 수상 </a:t>
+            </a:r>
+            <a:r>
+              <a:rPr lang="en-US" altLang="ko-KR" sz="2000" dirty="0"/>
+              <a:t>(US$1,000,000</a:t>
+            </a:r>
+            <a:r>
+              <a:rPr lang="en-US" altLang="ko-KR" sz="2000" dirty="0" smtClean="0"/>
+              <a:t>)</a:t>
+            </a:r>
+            <a:endParaRPr lang="en-US" altLang="ko-KR" sz="2000" dirty="0"/>
           </a:p>
         </p:txBody>
       </p:sp>
@@ -3874,26 +4540,143 @@
           <a:bodyPr/>
           <a:lstStyle/>
           <a:p>
-            <a:endParaRPr lang="ko-KR" altLang="en-US"/>
-          </a:p>
-        </p:txBody>
-      </p:sp>
-      <p:sp>
-        <p:nvSpPr>
-          <p:cNvPr id="5" name="내용 개체 틀 4"/>
-          <p:cNvSpPr>
-            <a:spLocks noGrp="1"/>
-          </p:cNvSpPr>
-          <p:nvPr>
-            <p:ph idx="1"/>
-          </p:nvPr>
-        </p:nvSpPr>
-        <p:spPr/>
-        <p:txBody>
-          <a:bodyPr/>
-          <a:lstStyle/>
-          <a:p>
-            <a:endParaRPr lang="ko-KR" altLang="en-US"/>
+            <a:endParaRPr lang="ko-KR" altLang="en-US" dirty="0"/>
+          </a:p>
+        </p:txBody>
+      </p:sp>
+      <p:cxnSp>
+        <p:nvCxnSpPr>
+          <p:cNvPr id="11" name="직선 화살표 연결선 10"/>
+          <p:cNvCxnSpPr/>
+          <p:nvPr/>
+        </p:nvCxnSpPr>
+        <p:spPr>
+          <a:xfrm flipV="1">
+            <a:off x="1043608" y="5013176"/>
+            <a:ext cx="3096344" cy="72008"/>
+          </a:xfrm>
+          <a:prstGeom prst="straightConnector1">
+            <a:avLst/>
+          </a:prstGeom>
+          <a:ln>
+            <a:solidFill>
+              <a:schemeClr val="tx1"/>
+            </a:solidFill>
+            <a:tailEnd type="arrow"/>
+          </a:ln>
+        </p:spPr>
+        <p:style>
+          <a:lnRef idx="1">
+            <a:schemeClr val="accent1"/>
+          </a:lnRef>
+          <a:fillRef idx="0">
+            <a:schemeClr val="accent1"/>
+          </a:fillRef>
+          <a:effectRef idx="0">
+            <a:schemeClr val="accent1"/>
+          </a:effectRef>
+          <a:fontRef idx="minor">
+            <a:schemeClr val="tx1"/>
+          </a:fontRef>
+        </p:style>
+      </p:cxnSp>
+      <p:cxnSp>
+        <p:nvCxnSpPr>
+          <p:cNvPr id="12" name="직선 화살표 연결선 11"/>
+          <p:cNvCxnSpPr/>
+          <p:nvPr/>
+        </p:nvCxnSpPr>
+        <p:spPr>
+          <a:xfrm rot="16200000" flipV="1">
+            <a:off x="-612575" y="3501008"/>
+            <a:ext cx="3096344" cy="72008"/>
+          </a:xfrm>
+          <a:prstGeom prst="straightConnector1">
+            <a:avLst/>
+          </a:prstGeom>
+          <a:ln>
+            <a:solidFill>
+              <a:schemeClr val="tx1"/>
+            </a:solidFill>
+            <a:tailEnd type="arrow"/>
+          </a:ln>
+        </p:spPr>
+        <p:style>
+          <a:lnRef idx="1">
+            <a:schemeClr val="accent1"/>
+          </a:lnRef>
+          <a:fillRef idx="0">
+            <a:schemeClr val="accent1"/>
+          </a:fillRef>
+          <a:effectRef idx="0">
+            <a:schemeClr val="accent1"/>
+          </a:effectRef>
+          <a:fontRef idx="minor">
+            <a:schemeClr val="tx1"/>
+          </a:fontRef>
+        </p:style>
+      </p:cxnSp>
+      <p:sp>
+        <p:nvSpPr>
+          <p:cNvPr id="13" name="TextBox 12"/>
+          <p:cNvSpPr txBox="1"/>
+          <p:nvPr/>
+        </p:nvSpPr>
+        <p:spPr>
+          <a:xfrm>
+            <a:off x="276594" y="2821578"/>
+            <a:ext cx="646331" cy="369332"/>
+          </a:xfrm>
+          <a:prstGeom prst="rect">
+            <a:avLst/>
+          </a:prstGeom>
+          <a:noFill/>
+        </p:spPr>
+        <p:txBody>
+          <a:bodyPr wrap="none" rtlCol="0">
+            <a:spAutoFit/>
+          </a:bodyPr>
+          <a:lstStyle/>
+          <a:p>
+            <a:r>
+              <a:rPr lang="ko-KR" altLang="en-US" dirty="0" smtClean="0"/>
+              <a:t>상품</a:t>
+            </a:r>
+            <a:endParaRPr lang="en-US" altLang="ko-KR" dirty="0" smtClean="0"/>
+          </a:p>
+        </p:txBody>
+      </p:sp>
+      <p:sp>
+        <p:nvSpPr>
+          <p:cNvPr id="14" name="TextBox 13"/>
+          <p:cNvSpPr txBox="1"/>
+          <p:nvPr/>
+        </p:nvSpPr>
+        <p:spPr>
+          <a:xfrm>
+            <a:off x="3421613" y="5229200"/>
+            <a:ext cx="646331" cy="369332"/>
+          </a:xfrm>
+          <a:prstGeom prst="rect">
+            <a:avLst/>
+          </a:prstGeom>
+          <a:noFill/>
+        </p:spPr>
+        <p:txBody>
+          <a:bodyPr wrap="none" rtlCol="0">
+            <a:spAutoFit/>
+          </a:bodyPr>
+          <a:lstStyle/>
+          <a:p>
+            <a:r>
+              <a:rPr lang="ko-KR" altLang="en-US" smtClean="0"/>
+              <a:t>평</a:t>
+            </a:r>
+            <a:r>
+              <a:rPr lang="ko-KR" altLang="en-US"/>
+              <a:t>점</a:t>
+            </a:r>
+            <a:endParaRPr lang="en-US" altLang="ko-KR" dirty="0" smtClean="0"/>
           </a:p>
         </p:txBody>
       </p:sp>

--- a/음악추천시스템.pptx
+++ b/음악추천시스템.pptx
@@ -296,7 +296,7 @@
           <a:p>
             <a:fld id="{61BD4C23-F68A-49B2-AA8E-8D5D7EF4AF9F}" type="datetimeFigureOut">
               <a:rPr lang="ko-KR" altLang="en-US" smtClean="0"/>
-              <a:t>2020-02-12</a:t>
+              <a:t>2020-02-13</a:t>
             </a:fld>
             <a:endParaRPr lang="ko-KR" altLang="en-US"/>
           </a:p>
@@ -466,7 +466,7 @@
           <a:p>
             <a:fld id="{61BD4C23-F68A-49B2-AA8E-8D5D7EF4AF9F}" type="datetimeFigureOut">
               <a:rPr lang="ko-KR" altLang="en-US" smtClean="0"/>
-              <a:t>2020-02-12</a:t>
+              <a:t>2020-02-13</a:t>
             </a:fld>
             <a:endParaRPr lang="ko-KR" altLang="en-US"/>
           </a:p>
@@ -646,7 +646,7 @@
           <a:p>
             <a:fld id="{61BD4C23-F68A-49B2-AA8E-8D5D7EF4AF9F}" type="datetimeFigureOut">
               <a:rPr lang="ko-KR" altLang="en-US" smtClean="0"/>
-              <a:t>2020-02-12</a:t>
+              <a:t>2020-02-13</a:t>
             </a:fld>
             <a:endParaRPr lang="ko-KR" altLang="en-US"/>
           </a:p>
@@ -816,7 +816,7 @@
           <a:p>
             <a:fld id="{61BD4C23-F68A-49B2-AA8E-8D5D7EF4AF9F}" type="datetimeFigureOut">
               <a:rPr lang="ko-KR" altLang="en-US" smtClean="0"/>
-              <a:t>2020-02-12</a:t>
+              <a:t>2020-02-13</a:t>
             </a:fld>
             <a:endParaRPr lang="ko-KR" altLang="en-US"/>
           </a:p>
@@ -1062,7 +1062,7 @@
           <a:p>
             <a:fld id="{61BD4C23-F68A-49B2-AA8E-8D5D7EF4AF9F}" type="datetimeFigureOut">
               <a:rPr lang="ko-KR" altLang="en-US" smtClean="0"/>
-              <a:t>2020-02-12</a:t>
+              <a:t>2020-02-13</a:t>
             </a:fld>
             <a:endParaRPr lang="ko-KR" altLang="en-US"/>
           </a:p>
@@ -1350,7 +1350,7 @@
           <a:p>
             <a:fld id="{61BD4C23-F68A-49B2-AA8E-8D5D7EF4AF9F}" type="datetimeFigureOut">
               <a:rPr lang="ko-KR" altLang="en-US" smtClean="0"/>
-              <a:t>2020-02-12</a:t>
+              <a:t>2020-02-13</a:t>
             </a:fld>
             <a:endParaRPr lang="ko-KR" altLang="en-US"/>
           </a:p>
@@ -1772,7 +1772,7 @@
           <a:p>
             <a:fld id="{61BD4C23-F68A-49B2-AA8E-8D5D7EF4AF9F}" type="datetimeFigureOut">
               <a:rPr lang="ko-KR" altLang="en-US" smtClean="0"/>
-              <a:t>2020-02-12</a:t>
+              <a:t>2020-02-13</a:t>
             </a:fld>
             <a:endParaRPr lang="ko-KR" altLang="en-US"/>
           </a:p>
@@ -1890,7 +1890,7 @@
           <a:p>
             <a:fld id="{61BD4C23-F68A-49B2-AA8E-8D5D7EF4AF9F}" type="datetimeFigureOut">
               <a:rPr lang="ko-KR" altLang="en-US" smtClean="0"/>
-              <a:t>2020-02-12</a:t>
+              <a:t>2020-02-13</a:t>
             </a:fld>
             <a:endParaRPr lang="ko-KR" altLang="en-US"/>
           </a:p>
@@ -1985,7 +1985,7 @@
           <a:p>
             <a:fld id="{61BD4C23-F68A-49B2-AA8E-8D5D7EF4AF9F}" type="datetimeFigureOut">
               <a:rPr lang="ko-KR" altLang="en-US" smtClean="0"/>
-              <a:t>2020-02-12</a:t>
+              <a:t>2020-02-13</a:t>
             </a:fld>
             <a:endParaRPr lang="ko-KR" altLang="en-US"/>
           </a:p>
@@ -2262,7 +2262,7 @@
           <a:p>
             <a:fld id="{61BD4C23-F68A-49B2-AA8E-8D5D7EF4AF9F}" type="datetimeFigureOut">
               <a:rPr lang="ko-KR" altLang="en-US" smtClean="0"/>
-              <a:t>2020-02-12</a:t>
+              <a:t>2020-02-13</a:t>
             </a:fld>
             <a:endParaRPr lang="ko-KR" altLang="en-US"/>
           </a:p>
@@ -2515,7 +2515,7 @@
           <a:p>
             <a:fld id="{61BD4C23-F68A-49B2-AA8E-8D5D7EF4AF9F}" type="datetimeFigureOut">
               <a:rPr lang="ko-KR" altLang="en-US" smtClean="0"/>
-              <a:t>2020-02-12</a:t>
+              <a:t>2020-02-13</a:t>
             </a:fld>
             <a:endParaRPr lang="ko-KR" altLang="en-US"/>
           </a:p>
@@ -2728,7 +2728,7 @@
           <a:p>
             <a:fld id="{61BD4C23-F68A-49B2-AA8E-8D5D7EF4AF9F}" type="datetimeFigureOut">
               <a:rPr lang="ko-KR" altLang="en-US" smtClean="0"/>
-              <a:t>2020-02-12</a:t>
+              <a:t>2020-02-13</a:t>
             </a:fld>
             <a:endParaRPr lang="ko-KR" altLang="en-US"/>
           </a:p>
@@ -4544,16 +4544,80 @@
           </a:p>
         </p:txBody>
       </p:sp>
+      <p:sp>
+        <p:nvSpPr>
+          <p:cNvPr id="13" name="TextBox 12"/>
+          <p:cNvSpPr txBox="1"/>
+          <p:nvPr/>
+        </p:nvSpPr>
+        <p:spPr>
+          <a:xfrm>
+            <a:off x="323528" y="2204864"/>
+            <a:ext cx="646331" cy="369332"/>
+          </a:xfrm>
+          <a:prstGeom prst="rect">
+            <a:avLst/>
+          </a:prstGeom>
+          <a:noFill/>
+        </p:spPr>
+        <p:txBody>
+          <a:bodyPr wrap="none" rtlCol="0">
+            <a:spAutoFit/>
+          </a:bodyPr>
+          <a:lstStyle/>
+          <a:p>
+            <a:r>
+              <a:rPr lang="ko-KR" altLang="en-US" dirty="0" smtClean="0"/>
+              <a:t>상품</a:t>
+            </a:r>
+            <a:endParaRPr lang="en-US" altLang="ko-KR" dirty="0" smtClean="0"/>
+          </a:p>
+        </p:txBody>
+      </p:sp>
+      <p:sp>
+        <p:nvSpPr>
+          <p:cNvPr id="14" name="TextBox 13"/>
+          <p:cNvSpPr txBox="1"/>
+          <p:nvPr/>
+        </p:nvSpPr>
+        <p:spPr>
+          <a:xfrm>
+            <a:off x="3202107" y="4945874"/>
+            <a:ext cx="646331" cy="369332"/>
+          </a:xfrm>
+          <a:prstGeom prst="rect">
+            <a:avLst/>
+          </a:prstGeom>
+          <a:noFill/>
+        </p:spPr>
+        <p:txBody>
+          <a:bodyPr wrap="none" rtlCol="0">
+            <a:spAutoFit/>
+          </a:bodyPr>
+          <a:lstStyle/>
+          <a:p>
+            <a:r>
+              <a:rPr lang="ko-KR" altLang="en-US" smtClean="0"/>
+              <a:t>평</a:t>
+            </a:r>
+            <a:r>
+              <a:rPr lang="ko-KR" altLang="en-US"/>
+              <a:t>점</a:t>
+            </a:r>
+            <a:endParaRPr lang="en-US" altLang="ko-KR" dirty="0" smtClean="0"/>
+          </a:p>
+        </p:txBody>
+      </p:sp>
       <p:cxnSp>
         <p:nvCxnSpPr>
-          <p:cNvPr id="11" name="직선 화살표 연결선 10"/>
+          <p:cNvPr id="3" name="직선 화살표 연결선 2"/>
           <p:cNvCxnSpPr/>
           <p:nvPr/>
         </p:nvCxnSpPr>
         <p:spPr>
           <a:xfrm flipV="1">
-            <a:off x="1043608" y="5013176"/>
-            <a:ext cx="3096344" cy="72008"/>
+            <a:off x="969859" y="2276872"/>
+            <a:ext cx="0" cy="2628292"/>
           </a:xfrm>
           <a:prstGeom prst="straightConnector1">
             <a:avLst/>
@@ -4582,14 +4646,14 @@
       </p:cxnSp>
       <p:cxnSp>
         <p:nvCxnSpPr>
-          <p:cNvPr id="12" name="직선 화살표 연결선 11"/>
+          <p:cNvPr id="9" name="직선 화살표 연결선 8"/>
           <p:cNvCxnSpPr/>
           <p:nvPr/>
         </p:nvCxnSpPr>
         <p:spPr>
-          <a:xfrm rot="16200000" flipV="1">
-            <a:off x="-612575" y="3501008"/>
-            <a:ext cx="3096344" cy="72008"/>
+          <a:xfrm rot="5400000" flipV="1">
+            <a:off x="2284005" y="3555014"/>
+            <a:ext cx="0" cy="2628292"/>
           </a:xfrm>
           <a:prstGeom prst="straightConnector1">
             <a:avLst/>
@@ -4616,70 +4680,6 @@
           </a:fontRef>
         </p:style>
       </p:cxnSp>
-      <p:sp>
-        <p:nvSpPr>
-          <p:cNvPr id="13" name="TextBox 12"/>
-          <p:cNvSpPr txBox="1"/>
-          <p:nvPr/>
-        </p:nvSpPr>
-        <p:spPr>
-          <a:xfrm>
-            <a:off x="276594" y="2821578"/>
-            <a:ext cx="646331" cy="369332"/>
-          </a:xfrm>
-          <a:prstGeom prst="rect">
-            <a:avLst/>
-          </a:prstGeom>
-          <a:noFill/>
-        </p:spPr>
-        <p:txBody>
-          <a:bodyPr wrap="none" rtlCol="0">
-            <a:spAutoFit/>
-          </a:bodyPr>
-          <a:lstStyle/>
-          <a:p>
-            <a:r>
-              <a:rPr lang="ko-KR" altLang="en-US" dirty="0" smtClean="0"/>
-              <a:t>상품</a:t>
-            </a:r>
-            <a:endParaRPr lang="en-US" altLang="ko-KR" dirty="0" smtClean="0"/>
-          </a:p>
-        </p:txBody>
-      </p:sp>
-      <p:sp>
-        <p:nvSpPr>
-          <p:cNvPr id="14" name="TextBox 13"/>
-          <p:cNvSpPr txBox="1"/>
-          <p:nvPr/>
-        </p:nvSpPr>
-        <p:spPr>
-          <a:xfrm>
-            <a:off x="3421613" y="5229200"/>
-            <a:ext cx="646331" cy="369332"/>
-          </a:xfrm>
-          <a:prstGeom prst="rect">
-            <a:avLst/>
-          </a:prstGeom>
-          <a:noFill/>
-        </p:spPr>
-        <p:txBody>
-          <a:bodyPr wrap="none" rtlCol="0">
-            <a:spAutoFit/>
-          </a:bodyPr>
-          <a:lstStyle/>
-          <a:p>
-            <a:r>
-              <a:rPr lang="ko-KR" altLang="en-US" smtClean="0"/>
-              <a:t>평</a:t>
-            </a:r>
-            <a:r>
-              <a:rPr lang="ko-KR" altLang="en-US"/>
-              <a:t>점</a:t>
-            </a:r>
-            <a:endParaRPr lang="en-US" altLang="ko-KR" dirty="0" smtClean="0"/>
-          </a:p>
-        </p:txBody>
-      </p:sp>
     </p:spTree>
     <p:extLst>
       <p:ext uri="{BB962C8B-B14F-4D97-AF65-F5344CB8AC3E}">
